--- a/input/images-source/LabExampleE7BusinessPart1.pptx
+++ b/input/images-source/LabExampleE7BusinessPart1.pptx
@@ -259,7 +259,7 @@
           <a:p>
             <a:fld id="{2B2DBF42-8104-4FB3-A5C2-139803963681}" type="datetimeFigureOut">
               <a:rPr lang="fr-FR" smtClean="0"/>
-              <a:t>24/06/2020</a:t>
+              <a:t>27/06/2020</a:t>
             </a:fld>
             <a:endParaRPr lang="fr-FR"/>
           </a:p>
@@ -457,7 +457,7 @@
           <a:p>
             <a:fld id="{2B2DBF42-8104-4FB3-A5C2-139803963681}" type="datetimeFigureOut">
               <a:rPr lang="fr-FR" smtClean="0"/>
-              <a:t>24/06/2020</a:t>
+              <a:t>27/06/2020</a:t>
             </a:fld>
             <a:endParaRPr lang="fr-FR"/>
           </a:p>
@@ -665,7 +665,7 @@
           <a:p>
             <a:fld id="{2B2DBF42-8104-4FB3-A5C2-139803963681}" type="datetimeFigureOut">
               <a:rPr lang="fr-FR" smtClean="0"/>
-              <a:t>24/06/2020</a:t>
+              <a:t>27/06/2020</a:t>
             </a:fld>
             <a:endParaRPr lang="fr-FR"/>
           </a:p>
@@ -863,7 +863,7 @@
           <a:p>
             <a:fld id="{2B2DBF42-8104-4FB3-A5C2-139803963681}" type="datetimeFigureOut">
               <a:rPr lang="fr-FR" smtClean="0"/>
-              <a:t>24/06/2020</a:t>
+              <a:t>27/06/2020</a:t>
             </a:fld>
             <a:endParaRPr lang="fr-FR"/>
           </a:p>
@@ -1138,7 +1138,7 @@
           <a:p>
             <a:fld id="{2B2DBF42-8104-4FB3-A5C2-139803963681}" type="datetimeFigureOut">
               <a:rPr lang="fr-FR" smtClean="0"/>
-              <a:t>24/06/2020</a:t>
+              <a:t>27/06/2020</a:t>
             </a:fld>
             <a:endParaRPr lang="fr-FR"/>
           </a:p>
@@ -1403,7 +1403,7 @@
           <a:p>
             <a:fld id="{2B2DBF42-8104-4FB3-A5C2-139803963681}" type="datetimeFigureOut">
               <a:rPr lang="fr-FR" smtClean="0"/>
-              <a:t>24/06/2020</a:t>
+              <a:t>27/06/2020</a:t>
             </a:fld>
             <a:endParaRPr lang="fr-FR"/>
           </a:p>
@@ -1815,7 +1815,7 @@
           <a:p>
             <a:fld id="{2B2DBF42-8104-4FB3-A5C2-139803963681}" type="datetimeFigureOut">
               <a:rPr lang="fr-FR" smtClean="0"/>
-              <a:t>24/06/2020</a:t>
+              <a:t>27/06/2020</a:t>
             </a:fld>
             <a:endParaRPr lang="fr-FR"/>
           </a:p>
@@ -1956,7 +1956,7 @@
           <a:p>
             <a:fld id="{2B2DBF42-8104-4FB3-A5C2-139803963681}" type="datetimeFigureOut">
               <a:rPr lang="fr-FR" smtClean="0"/>
-              <a:t>24/06/2020</a:t>
+              <a:t>27/06/2020</a:t>
             </a:fld>
             <a:endParaRPr lang="fr-FR"/>
           </a:p>
@@ -2069,7 +2069,7 @@
           <a:p>
             <a:fld id="{2B2DBF42-8104-4FB3-A5C2-139803963681}" type="datetimeFigureOut">
               <a:rPr lang="fr-FR" smtClean="0"/>
-              <a:t>24/06/2020</a:t>
+              <a:t>27/06/2020</a:t>
             </a:fld>
             <a:endParaRPr lang="fr-FR"/>
           </a:p>
@@ -2380,7 +2380,7 @@
           <a:p>
             <a:fld id="{2B2DBF42-8104-4FB3-A5C2-139803963681}" type="datetimeFigureOut">
               <a:rPr lang="fr-FR" smtClean="0"/>
-              <a:t>24/06/2020</a:t>
+              <a:t>27/06/2020</a:t>
             </a:fld>
             <a:endParaRPr lang="fr-FR"/>
           </a:p>
@@ -2668,7 +2668,7 @@
           <a:p>
             <a:fld id="{2B2DBF42-8104-4FB3-A5C2-139803963681}" type="datetimeFigureOut">
               <a:rPr lang="fr-FR" smtClean="0"/>
-              <a:t>24/06/2020</a:t>
+              <a:t>27/06/2020</a:t>
             </a:fld>
             <a:endParaRPr lang="fr-FR"/>
           </a:p>
@@ -2909,7 +2909,7 @@
           <a:p>
             <a:fld id="{2B2DBF42-8104-4FB3-A5C2-139803963681}" type="datetimeFigureOut">
               <a:rPr lang="fr-FR" smtClean="0"/>
-              <a:t>24/06/2020</a:t>
+              <a:t>27/06/2020</a:t>
             </a:fld>
             <a:endParaRPr lang="fr-FR"/>
           </a:p>
@@ -4213,8 +4213,8 @@
         </p:nvSpPr>
         <p:spPr>
           <a:xfrm>
-            <a:off x="4031475" y="2216457"/>
-            <a:ext cx="1893306" cy="282592"/>
+            <a:off x="4415785" y="2216457"/>
+            <a:ext cx="961676" cy="282592"/>
           </a:xfrm>
           <a:prstGeom prst="rect">
             <a:avLst/>
@@ -4238,7 +4238,7 @@
                   </a:schemeClr>
                 </a:solidFill>
               </a:rPr>
-              <a:t>includes (reflexes)</a:t>
+              <a:t>reflexes</a:t>
             </a:r>
           </a:p>
         </p:txBody>
@@ -4658,7 +4658,7 @@
         <p:spPr>
           <a:xfrm>
             <a:off x="4031475" y="2588576"/>
-            <a:ext cx="1893306" cy="282592"/>
+            <a:ext cx="961676" cy="282592"/>
           </a:xfrm>
           <a:prstGeom prst="rect">
             <a:avLst/>
@@ -4682,7 +4682,7 @@
                   </a:schemeClr>
                 </a:solidFill>
               </a:rPr>
-              <a:t>includes (reflexes)</a:t>
+              <a:t>reflexes</a:t>
             </a:r>
           </a:p>
         </p:txBody>
